--- a/Презентация_v1.pptx
+++ b/Презентация_v1.pptx
@@ -3495,7 +3495,10 @@
               <a:rPr lang="ru-RU" sz="2400" dirty="0"/>
             </a:br>
             <a:r>
-              <a:rPr lang="ru-RU" dirty="0"/>
+              <a:rPr lang="ru-RU" dirty="0">
+                <a:latin typeface="Times New Roman" panose="02020603050405020304" pitchFamily="18" charset="0"/>
+                <a:cs typeface="Times New Roman" panose="02020603050405020304" pitchFamily="18" charset="0"/>
+              </a:rPr>
               <a:t>ИИ помогает фермерам</a:t>
             </a:r>
             <a:br>
@@ -3556,7 +3559,7 @@
                 <a:latin typeface="Times New Roman" panose="02020603050405020304" pitchFamily="18" charset="0"/>
                 <a:cs typeface="Times New Roman" panose="02020603050405020304" pitchFamily="18" charset="0"/>
               </a:rPr>
-              <a:t>backend</a:t>
+              <a:t>backend (python)</a:t>
             </a:r>
           </a:p>
           <a:p>
@@ -6752,7 +6755,7 @@
                 <a:latin typeface="Times New Roman" panose="02020603050405020304" pitchFamily="18" charset="0"/>
                 <a:cs typeface="Times New Roman" panose="02020603050405020304" pitchFamily="18" charset="0"/>
               </a:rPr>
-              <a:t>Шаг 4: Итерация 2</a:t>
+              <a:t>Шаг 4: Итерации 2 и далее</a:t>
             </a:r>
           </a:p>
           <a:p>
@@ -7164,6 +7167,36 @@
           </a:p>
         </p:txBody>
       </p:sp>
+      <p:pic>
+        <p:nvPicPr>
+          <p:cNvPr id="2" name="Рисунок 1">
+            <a:extLst>
+              <a:ext uri="{FF2B5EF4-FFF2-40B4-BE49-F238E27FC236}">
+                <a16:creationId xmlns:a16="http://schemas.microsoft.com/office/drawing/2014/main" id="{FF7A791B-1625-4AEA-A36C-E1AF46E19790}"/>
+              </a:ext>
+            </a:extLst>
+          </p:cNvPr>
+          <p:cNvPicPr>
+            <a:picLocks noChangeAspect="1"/>
+          </p:cNvPicPr>
+          <p:nvPr/>
+        </p:nvPicPr>
+        <p:blipFill>
+          <a:blip r:embed="rId2"/>
+          <a:stretch>
+            <a:fillRect/>
+          </a:stretch>
+        </p:blipFill>
+        <p:spPr>
+          <a:xfrm>
+            <a:off x="387178" y="2553730"/>
+            <a:ext cx="8929816" cy="3647949"/>
+          </a:xfrm>
+          <a:prstGeom prst="rect">
+            <a:avLst/>
+          </a:prstGeom>
+        </p:spPr>
+      </p:pic>
     </p:spTree>
     <p:extLst>
       <p:ext uri="{BB962C8B-B14F-4D97-AF65-F5344CB8AC3E}">
@@ -7252,8 +7285,8 @@
         </p:nvSpPr>
         <p:spPr>
           <a:xfrm>
-            <a:off x="4687330" y="716317"/>
-            <a:ext cx="6647386" cy="2850667"/>
+            <a:off x="4955071" y="160263"/>
+            <a:ext cx="6354932" cy="1837413"/>
           </a:xfrm>
           <a:prstGeom prst="rect">
             <a:avLst/>
@@ -7433,25 +7466,93 @@
                 <a:latin typeface="Times New Roman" panose="02020603050405020304" pitchFamily="18" charset="0"/>
                 <a:cs typeface="Times New Roman" panose="02020603050405020304" pitchFamily="18" charset="0"/>
               </a:rPr>
-              <a:t>Удобный интерфейс программы позволяет выводить ареал, в котором растение находится в Красной Книге</a:t>
-            </a:r>
-            <a:endParaRPr lang="ru-RU" sz="1800" dirty="0">
-              <a:latin typeface="Times New Roman" panose="02020603050405020304" pitchFamily="18" charset="0"/>
-              <a:cs typeface="Times New Roman" panose="02020603050405020304" pitchFamily="18" charset="0"/>
-            </a:endParaRPr>
-          </a:p>
-          <a:p>
-            <a:endParaRPr lang="ru-RU" sz="1800" dirty="0">
-              <a:latin typeface="Times New Roman" panose="02020603050405020304" pitchFamily="18" charset="0"/>
-              <a:cs typeface="Times New Roman" panose="02020603050405020304" pitchFamily="18" charset="0"/>
-            </a:endParaRPr>
-          </a:p>
-        </p:txBody>
-      </p:sp>
+              <a:t>Интерфейс</a:t>
+            </a:r>
+          </a:p>
+          <a:p>
+            <a:r>
+              <a:rPr lang="ru-RU" sz="1800" dirty="0">
+                <a:latin typeface="Times New Roman" panose="02020603050405020304" pitchFamily="18" charset="0"/>
+                <a:cs typeface="Times New Roman" panose="02020603050405020304" pitchFamily="18" charset="0"/>
+              </a:rPr>
+              <a:t>Также предусмотрена работа с визуальным интерфейсом</a:t>
+            </a:r>
+          </a:p>
+        </p:txBody>
+      </p:sp>
+      <p:sp>
+        <p:nvSpPr>
+          <p:cNvPr id="4" name="TextBox 3">
+            <a:extLst>
+              <a:ext uri="{FF2B5EF4-FFF2-40B4-BE49-F238E27FC236}">
+                <a16:creationId xmlns:a16="http://schemas.microsoft.com/office/drawing/2014/main" id="{FDB1CE7D-27B1-462D-BF53-0F6852FFBA6A}"/>
+              </a:ext>
+            </a:extLst>
+          </p:cNvPr>
+          <p:cNvSpPr txBox="1"/>
+          <p:nvPr/>
+        </p:nvSpPr>
+        <p:spPr>
+          <a:xfrm>
+            <a:off x="7364627" y="1453979"/>
+            <a:ext cx="3097427" cy="1477328"/>
+          </a:xfrm>
+          <a:prstGeom prst="rect">
+            <a:avLst/>
+          </a:prstGeom>
+          <a:noFill/>
+        </p:spPr>
+        <p:txBody>
+          <a:bodyPr wrap="square" rtlCol="0">
+            <a:spAutoFit/>
+          </a:bodyPr>
+          <a:lstStyle/>
+          <a:p>
+            <a:pPr algn="ctr"/>
+            <a:r>
+              <a:rPr lang="ru-RU" dirty="0">
+                <a:latin typeface="Times New Roman" panose="02020603050405020304" pitchFamily="18" charset="0"/>
+                <a:cs typeface="Times New Roman" panose="02020603050405020304" pitchFamily="18" charset="0"/>
+              </a:rPr>
+              <a:t>При удалении неправильного результата, удаляется и то предложение, на основании которого модель сделала свой выбор</a:t>
+            </a:r>
+          </a:p>
+        </p:txBody>
+      </p:sp>
+      <p:pic>
+        <p:nvPicPr>
+          <p:cNvPr id="5" name="Рисунок 4">
+            <a:extLst>
+              <a:ext uri="{FF2B5EF4-FFF2-40B4-BE49-F238E27FC236}">
+                <a16:creationId xmlns:a16="http://schemas.microsoft.com/office/drawing/2014/main" id="{4B942B70-7C16-4A79-9C38-57F87C8049A4}"/>
+              </a:ext>
+            </a:extLst>
+          </p:cNvPr>
+          <p:cNvPicPr>
+            <a:picLocks noChangeAspect="1"/>
+          </p:cNvPicPr>
+          <p:nvPr/>
+        </p:nvPicPr>
+        <p:blipFill>
+          <a:blip r:embed="rId2"/>
+          <a:stretch>
+            <a:fillRect/>
+          </a:stretch>
+        </p:blipFill>
+        <p:spPr>
+          <a:xfrm>
+            <a:off x="0" y="1222944"/>
+            <a:ext cx="7364627" cy="4948428"/>
+          </a:xfrm>
+          <a:prstGeom prst="rect">
+            <a:avLst/>
+          </a:prstGeom>
+        </p:spPr>
+      </p:pic>
     </p:spTree>
     <p:extLst>
       <p:ext uri="{BB962C8B-B14F-4D97-AF65-F5344CB8AC3E}">
-        <p14:creationId xmlns:p14="http://schemas.microsoft.com/office/powerpoint/2010/main" val="2847976408"/>
+        <p14:creationId xmlns:p14="http://schemas.microsoft.com/office/powerpoint/2010/main" val="237201450"/>
       </p:ext>
     </p:extLst>
   </p:cSld>
